--- a/11-29/prsn.pptx
+++ b/11-29/prsn.pptx
@@ -123,7 +123,7 @@
 <file path=ppt/revisionInfo.xml><?xml version="1.0" encoding="utf-8"?>
 <p1510:revInfo xmlns:a="http://schemas.openxmlformats.org/drawingml/2006/main" xmlns:r="http://schemas.openxmlformats.org/officeDocument/2006/relationships" xmlns:p1510="http://schemas.microsoft.com/office/powerpoint/2015/10/main">
   <p1510:revLst>
-    <p1510:client id="{C4FF46B6-9127-4E1F-AEC0-CD9EBD78C330}" v="226" dt="2022-12-05T17:41:34.032"/>
+    <p1510:client id="{C4FF46B6-9127-4E1F-AEC0-CD9EBD78C330}" v="378" dt="2022-12-06T01:02:07.581"/>
   </p1510:revLst>
 </p1510:revInfo>
 </file>
@@ -133,12 +133,12 @@
   <pc:docChgLst>
     <pc:chgData name="西村　昭賢" userId="27ae80bd-120f-4b81-a62a-e9494b3b05c9" providerId="ADAL" clId="{C4FF46B6-9127-4E1F-AEC0-CD9EBD78C330}"/>
     <pc:docChg chg="undo custSel addSld delSld modSld modMainMaster">
-      <pc:chgData name="西村　昭賢" userId="27ae80bd-120f-4b81-a62a-e9494b3b05c9" providerId="ADAL" clId="{C4FF46B6-9127-4E1F-AEC0-CD9EBD78C330}" dt="2022-12-06T00:15:20.022" v="286" actId="47"/>
+      <pc:chgData name="西村　昭賢" userId="27ae80bd-120f-4b81-a62a-e9494b3b05c9" providerId="ADAL" clId="{C4FF46B6-9127-4E1F-AEC0-CD9EBD78C330}" dt="2022-12-06T01:02:07.581" v="1734"/>
       <pc:docMkLst>
         <pc:docMk/>
       </pc:docMkLst>
-      <pc:sldChg chg="delSp modSp mod">
-        <pc:chgData name="西村　昭賢" userId="27ae80bd-120f-4b81-a62a-e9494b3b05c9" providerId="ADAL" clId="{C4FF46B6-9127-4E1F-AEC0-CD9EBD78C330}" dt="2022-12-05T13:49:47.173" v="5" actId="478"/>
+      <pc:sldChg chg="delSp modSp mod modNotesTx">
+        <pc:chgData name="西村　昭賢" userId="27ae80bd-120f-4b81-a62a-e9494b3b05c9" providerId="ADAL" clId="{C4FF46B6-9127-4E1F-AEC0-CD9EBD78C330}" dt="2022-12-06T00:32:37.439" v="419" actId="20577"/>
         <pc:sldMkLst>
           <pc:docMk/>
           <pc:sldMk cId="900250217" sldId="256"/>
@@ -152,8 +152,8 @@
           </ac:spMkLst>
         </pc:spChg>
       </pc:sldChg>
-      <pc:sldChg chg="modSp mod">
-        <pc:chgData name="西村　昭賢" userId="27ae80bd-120f-4b81-a62a-e9494b3b05c9" providerId="ADAL" clId="{C4FF46B6-9127-4E1F-AEC0-CD9EBD78C330}" dt="2022-12-05T13:51:03.866" v="10" actId="255"/>
+      <pc:sldChg chg="modSp mod modNotesTx">
+        <pc:chgData name="西村　昭賢" userId="27ae80bd-120f-4b81-a62a-e9494b3b05c9" providerId="ADAL" clId="{C4FF46B6-9127-4E1F-AEC0-CD9EBD78C330}" dt="2022-12-06T00:32:57.483" v="478" actId="20577"/>
         <pc:sldMkLst>
           <pc:docMk/>
           <pc:sldMk cId="2451800859" sldId="257"/>
@@ -167,8 +167,8 @@
           </ac:spMkLst>
         </pc:spChg>
       </pc:sldChg>
-      <pc:sldChg chg="modSp mod">
-        <pc:chgData name="西村　昭賢" userId="27ae80bd-120f-4b81-a62a-e9494b3b05c9" providerId="ADAL" clId="{C4FF46B6-9127-4E1F-AEC0-CD9EBD78C330}" dt="2022-12-05T13:51:15.238" v="15" actId="255"/>
+      <pc:sldChg chg="modSp mod modNotesTx">
+        <pc:chgData name="西村　昭賢" userId="27ae80bd-120f-4b81-a62a-e9494b3b05c9" providerId="ADAL" clId="{C4FF46B6-9127-4E1F-AEC0-CD9EBD78C330}" dt="2022-12-06T00:33:05.534" v="490" actId="20577"/>
         <pc:sldMkLst>
           <pc:docMk/>
           <pc:sldMk cId="1328829998" sldId="258"/>
@@ -182,8 +182,8 @@
           </ac:spMkLst>
         </pc:spChg>
       </pc:sldChg>
-      <pc:sldChg chg="modSp mod">
-        <pc:chgData name="西村　昭賢" userId="27ae80bd-120f-4b81-a62a-e9494b3b05c9" providerId="ADAL" clId="{C4FF46B6-9127-4E1F-AEC0-CD9EBD78C330}" dt="2022-12-05T13:51:28.396" v="16" actId="255"/>
+      <pc:sldChg chg="modSp mod modNotesTx">
+        <pc:chgData name="西村　昭賢" userId="27ae80bd-120f-4b81-a62a-e9494b3b05c9" providerId="ADAL" clId="{C4FF46B6-9127-4E1F-AEC0-CD9EBD78C330}" dt="2022-12-06T00:33:32.053" v="571" actId="20577"/>
         <pc:sldMkLst>
           <pc:docMk/>
           <pc:sldMk cId="3982393033" sldId="259"/>
@@ -197,8 +197,8 @@
           </ac:spMkLst>
         </pc:spChg>
       </pc:sldChg>
-      <pc:sldChg chg="modSp mod">
-        <pc:chgData name="西村　昭賢" userId="27ae80bd-120f-4b81-a62a-e9494b3b05c9" providerId="ADAL" clId="{C4FF46B6-9127-4E1F-AEC0-CD9EBD78C330}" dt="2022-12-05T13:51:40.138" v="17" actId="255"/>
+      <pc:sldChg chg="modSp mod modNotesTx">
+        <pc:chgData name="西村　昭賢" userId="27ae80bd-120f-4b81-a62a-e9494b3b05c9" providerId="ADAL" clId="{C4FF46B6-9127-4E1F-AEC0-CD9EBD78C330}" dt="2022-12-06T00:42:07.097" v="737" actId="20577"/>
         <pc:sldMkLst>
           <pc:docMk/>
           <pc:sldMk cId="43319111" sldId="260"/>
@@ -242,8 +242,8 @@
           </ac:spMkLst>
         </pc:spChg>
       </pc:sldChg>
-      <pc:sldChg chg="modSp mod">
-        <pc:chgData name="西村　昭賢" userId="27ae80bd-120f-4b81-a62a-e9494b3b05c9" providerId="ADAL" clId="{C4FF46B6-9127-4E1F-AEC0-CD9EBD78C330}" dt="2022-12-05T17:00:12.204" v="88" actId="114"/>
+      <pc:sldChg chg="modSp mod modNotesTx">
+        <pc:chgData name="西村　昭賢" userId="27ae80bd-120f-4b81-a62a-e9494b3b05c9" providerId="ADAL" clId="{C4FF46B6-9127-4E1F-AEC0-CD9EBD78C330}" dt="2022-12-06T00:53:04.327" v="1194" actId="20577"/>
         <pc:sldMkLst>
           <pc:docMk/>
           <pc:sldMk cId="1619352250" sldId="263"/>
@@ -265,12 +265,20 @@
           </ac:spMkLst>
         </pc:spChg>
       </pc:sldChg>
-      <pc:sldChg chg="modSp mod">
-        <pc:chgData name="西村　昭賢" userId="27ae80bd-120f-4b81-a62a-e9494b3b05c9" providerId="ADAL" clId="{C4FF46B6-9127-4E1F-AEC0-CD9EBD78C330}" dt="2022-12-05T13:55:23.913" v="24" actId="255"/>
+      <pc:sldChg chg="modSp mod modNotesTx">
+        <pc:chgData name="西村　昭賢" userId="27ae80bd-120f-4b81-a62a-e9494b3b05c9" providerId="ADAL" clId="{C4FF46B6-9127-4E1F-AEC0-CD9EBD78C330}" dt="2022-12-06T01:02:07.581" v="1734"/>
         <pc:sldMkLst>
           <pc:docMk/>
           <pc:sldMk cId="68560633" sldId="264"/>
         </pc:sldMkLst>
+        <pc:spChg chg="mod">
+          <ac:chgData name="西村　昭賢" userId="27ae80bd-120f-4b81-a62a-e9494b3b05c9" providerId="ADAL" clId="{C4FF46B6-9127-4E1F-AEC0-CD9EBD78C330}" dt="2022-12-06T01:02:07.581" v="1734"/>
+          <ac:spMkLst>
+            <pc:docMk/>
+            <pc:sldMk cId="68560633" sldId="264"/>
+            <ac:spMk id="3" creationId="{D01F7D22-1B6B-9474-9B53-A2EFE0755C66}"/>
+          </ac:spMkLst>
+        </pc:spChg>
         <pc:spChg chg="mod">
           <ac:chgData name="西村　昭賢" userId="27ae80bd-120f-4b81-a62a-e9494b3b05c9" providerId="ADAL" clId="{C4FF46B6-9127-4E1F-AEC0-CD9EBD78C330}" dt="2022-12-05T13:55:23.913" v="24" actId="255"/>
           <ac:spMkLst>
@@ -280,8 +288,8 @@
           </ac:spMkLst>
         </pc:spChg>
       </pc:sldChg>
-      <pc:sldChg chg="modSp mod">
-        <pc:chgData name="西村　昭賢" userId="27ae80bd-120f-4b81-a62a-e9494b3b05c9" providerId="ADAL" clId="{C4FF46B6-9127-4E1F-AEC0-CD9EBD78C330}" dt="2022-12-05T17:41:34.032" v="284" actId="20577"/>
+      <pc:sldChg chg="modSp mod modNotesTx">
+        <pc:chgData name="西村　昭賢" userId="27ae80bd-120f-4b81-a62a-e9494b3b05c9" providerId="ADAL" clId="{C4FF46B6-9127-4E1F-AEC0-CD9EBD78C330}" dt="2022-12-06T00:59:45.009" v="1723" actId="20577"/>
         <pc:sldMkLst>
           <pc:docMk/>
           <pc:sldMk cId="2112872445" sldId="265"/>
@@ -304,13 +312,13 @@
         </pc:spChg>
       </pc:sldChg>
       <pc:sldChg chg="modSp mod">
-        <pc:chgData name="西村　昭賢" userId="27ae80bd-120f-4b81-a62a-e9494b3b05c9" providerId="ADAL" clId="{C4FF46B6-9127-4E1F-AEC0-CD9EBD78C330}" dt="2022-12-05T17:01:28.895" v="130" actId="20577"/>
+        <pc:chgData name="西村　昭賢" userId="27ae80bd-120f-4b81-a62a-e9494b3b05c9" providerId="ADAL" clId="{C4FF46B6-9127-4E1F-AEC0-CD9EBD78C330}" dt="2022-12-06T00:43:22.996" v="739" actId="27636"/>
         <pc:sldMkLst>
           <pc:docMk/>
           <pc:sldMk cId="1806091950" sldId="266"/>
         </pc:sldMkLst>
         <pc:spChg chg="mod">
-          <ac:chgData name="西村　昭賢" userId="27ae80bd-120f-4b81-a62a-e9494b3b05c9" providerId="ADAL" clId="{C4FF46B6-9127-4E1F-AEC0-CD9EBD78C330}" dt="2022-12-05T17:01:28.895" v="130" actId="20577"/>
+          <ac:chgData name="西村　昭賢" userId="27ae80bd-120f-4b81-a62a-e9494b3b05c9" providerId="ADAL" clId="{C4FF46B6-9127-4E1F-AEC0-CD9EBD78C330}" dt="2022-12-06T00:43:22.996" v="739" actId="27636"/>
           <ac:spMkLst>
             <pc:docMk/>
             <pc:sldMk cId="1806091950" sldId="266"/>
@@ -758,6 +766,997 @@
     </a:lvl9pPr>
   </p:notesStyle>
 </p:notesMaster>
+</file>
+
+<file path=ppt/notesSlides/notesSlide1.xml><?xml version="1.0" encoding="utf-8"?>
+<p:notes xmlns:a="http://schemas.openxmlformats.org/drawingml/2006/main" xmlns:r="http://schemas.openxmlformats.org/officeDocument/2006/relationships" xmlns:p="http://schemas.openxmlformats.org/presentationml/2006/main">
+  <p:cSld>
+    <p:spTree>
+      <p:nvGrpSpPr>
+        <p:cNvPr id="1" name=""/>
+        <p:cNvGrpSpPr/>
+        <p:nvPr/>
+      </p:nvGrpSpPr>
+      <p:grpSpPr>
+        <a:xfrm>
+          <a:off x="0" y="0"/>
+          <a:ext cx="0" cy="0"/>
+          <a:chOff x="0" y="0"/>
+          <a:chExt cx="0" cy="0"/>
+        </a:xfrm>
+      </p:grpSpPr>
+      <p:sp>
+        <p:nvSpPr>
+          <p:cNvPr id="2" name="スライド イメージ プレースホルダー 1"/>
+          <p:cNvSpPr>
+            <a:spLocks noGrp="1" noRot="1" noChangeAspect="1"/>
+          </p:cNvSpPr>
+          <p:nvPr>
+            <p:ph type="sldImg"/>
+          </p:nvPr>
+        </p:nvSpPr>
+        <p:spPr/>
+      </p:sp>
+      <p:sp>
+        <p:nvSpPr>
+          <p:cNvPr id="3" name="ノート プレースホルダー 2"/>
+          <p:cNvSpPr>
+            <a:spLocks noGrp="1"/>
+          </p:cNvSpPr>
+          <p:nvPr>
+            <p:ph type="body" idx="1"/>
+          </p:nvPr>
+        </p:nvSpPr>
+        <p:spPr/>
+        <p:txBody>
+          <a:bodyPr/>
+          <a:lstStyle/>
+          <a:p>
+            <a:r>
+              <a:rPr kumimoji="1" lang="ja-JP" altLang="en-US" dirty="0"/>
+              <a:t>「タイトル」と題して創発ソフトウェア研究グループ </a:t>
+            </a:r>
+            <a:r>
+              <a:rPr kumimoji="1" lang="en-US" altLang="ja-JP" dirty="0"/>
+              <a:t>B3 </a:t>
+            </a:r>
+            <a:r>
+              <a:rPr kumimoji="1" lang="ja-JP" altLang="en-US" dirty="0"/>
+              <a:t>西村が発表させていただきます</a:t>
+            </a:r>
+            <a:r>
+              <a:rPr kumimoji="1" lang="en-US" altLang="ja-JP" dirty="0"/>
+              <a:t>.</a:t>
+            </a:r>
+            <a:endParaRPr kumimoji="1" lang="ja-JP" altLang="en-US" dirty="0"/>
+          </a:p>
+        </p:txBody>
+      </p:sp>
+      <p:sp>
+        <p:nvSpPr>
+          <p:cNvPr id="4" name="スライド番号プレースホルダー 3"/>
+          <p:cNvSpPr>
+            <a:spLocks noGrp="1"/>
+          </p:cNvSpPr>
+          <p:nvPr>
+            <p:ph type="sldNum" sz="quarter" idx="5"/>
+          </p:nvPr>
+        </p:nvSpPr>
+        <p:spPr/>
+        <p:txBody>
+          <a:bodyPr/>
+          <a:lstStyle/>
+          <a:p>
+            <a:fld id="{8BD34F41-1BCD-4D2A-B453-F0A827524A65}" type="slidenum">
+              <a:rPr kumimoji="1" lang="ja-JP" altLang="en-US" smtClean="0"/>
+              <a:t>1</a:t>
+            </a:fld>
+            <a:endParaRPr kumimoji="1" lang="ja-JP" altLang="en-US"/>
+          </a:p>
+        </p:txBody>
+      </p:sp>
+    </p:spTree>
+    <p:extLst>
+      <p:ext uri="{BB962C8B-B14F-4D97-AF65-F5344CB8AC3E}">
+        <p14:creationId xmlns:p14="http://schemas.microsoft.com/office/powerpoint/2010/main" val="1140439775"/>
+      </p:ext>
+    </p:extLst>
+  </p:cSld>
+  <p:clrMapOvr>
+    <a:masterClrMapping/>
+  </p:clrMapOvr>
+</p:notes>
+</file>
+
+<file path=ppt/notesSlides/notesSlide2.xml><?xml version="1.0" encoding="utf-8"?>
+<p:notes xmlns:a="http://schemas.openxmlformats.org/drawingml/2006/main" xmlns:r="http://schemas.openxmlformats.org/officeDocument/2006/relationships" xmlns:p="http://schemas.openxmlformats.org/presentationml/2006/main">
+  <p:cSld>
+    <p:spTree>
+      <p:nvGrpSpPr>
+        <p:cNvPr id="1" name=""/>
+        <p:cNvGrpSpPr/>
+        <p:nvPr/>
+      </p:nvGrpSpPr>
+      <p:grpSpPr>
+        <a:xfrm>
+          <a:off x="0" y="0"/>
+          <a:ext cx="0" cy="0"/>
+          <a:chOff x="0" y="0"/>
+          <a:chExt cx="0" cy="0"/>
+        </a:xfrm>
+      </p:grpSpPr>
+      <p:sp>
+        <p:nvSpPr>
+          <p:cNvPr id="2" name="スライド イメージ プレースホルダー 1"/>
+          <p:cNvSpPr>
+            <a:spLocks noGrp="1" noRot="1" noChangeAspect="1"/>
+          </p:cNvSpPr>
+          <p:nvPr>
+            <p:ph type="sldImg"/>
+          </p:nvPr>
+        </p:nvSpPr>
+        <p:spPr/>
+      </p:sp>
+      <p:sp>
+        <p:nvSpPr>
+          <p:cNvPr id="3" name="ノート プレースホルダー 2"/>
+          <p:cNvSpPr>
+            <a:spLocks noGrp="1"/>
+          </p:cNvSpPr>
+          <p:nvPr>
+            <p:ph type="body" idx="1"/>
+          </p:nvPr>
+        </p:nvSpPr>
+        <p:spPr/>
+        <p:txBody>
+          <a:bodyPr/>
+          <a:lstStyle/>
+          <a:p>
+            <a:r>
+              <a:rPr kumimoji="1" lang="ja-JP" altLang="en-US" dirty="0"/>
+              <a:t>発表の流れはこのようになっています</a:t>
+            </a:r>
+          </a:p>
+        </p:txBody>
+      </p:sp>
+      <p:sp>
+        <p:nvSpPr>
+          <p:cNvPr id="4" name="スライド番号プレースホルダー 3"/>
+          <p:cNvSpPr>
+            <a:spLocks noGrp="1"/>
+          </p:cNvSpPr>
+          <p:nvPr>
+            <p:ph type="sldNum" sz="quarter" idx="5"/>
+          </p:nvPr>
+        </p:nvSpPr>
+        <p:spPr/>
+        <p:txBody>
+          <a:bodyPr/>
+          <a:lstStyle/>
+          <a:p>
+            <a:fld id="{8BD34F41-1BCD-4D2A-B453-F0A827524A65}" type="slidenum">
+              <a:rPr kumimoji="1" lang="ja-JP" altLang="en-US" smtClean="0"/>
+              <a:t>2</a:t>
+            </a:fld>
+            <a:endParaRPr kumimoji="1" lang="ja-JP" altLang="en-US"/>
+          </a:p>
+        </p:txBody>
+      </p:sp>
+    </p:spTree>
+    <p:extLst>
+      <p:ext uri="{BB962C8B-B14F-4D97-AF65-F5344CB8AC3E}">
+        <p14:creationId xmlns:p14="http://schemas.microsoft.com/office/powerpoint/2010/main" val="761969147"/>
+      </p:ext>
+    </p:extLst>
+  </p:cSld>
+  <p:clrMapOvr>
+    <a:masterClrMapping/>
+  </p:clrMapOvr>
+</p:notes>
+</file>
+
+<file path=ppt/notesSlides/notesSlide3.xml><?xml version="1.0" encoding="utf-8"?>
+<p:notes xmlns:a="http://schemas.openxmlformats.org/drawingml/2006/main" xmlns:r="http://schemas.openxmlformats.org/officeDocument/2006/relationships" xmlns:p="http://schemas.openxmlformats.org/presentationml/2006/main">
+  <p:cSld>
+    <p:spTree>
+      <p:nvGrpSpPr>
+        <p:cNvPr id="1" name=""/>
+        <p:cNvGrpSpPr/>
+        <p:nvPr/>
+      </p:nvGrpSpPr>
+      <p:grpSpPr>
+        <a:xfrm>
+          <a:off x="0" y="0"/>
+          <a:ext cx="0" cy="0"/>
+          <a:chOff x="0" y="0"/>
+          <a:chExt cx="0" cy="0"/>
+        </a:xfrm>
+      </p:grpSpPr>
+      <p:sp>
+        <p:nvSpPr>
+          <p:cNvPr id="2" name="スライド イメージ プレースホルダー 1"/>
+          <p:cNvSpPr>
+            <a:spLocks noGrp="1" noRot="1" noChangeAspect="1"/>
+          </p:cNvSpPr>
+          <p:nvPr>
+            <p:ph type="sldImg"/>
+          </p:nvPr>
+        </p:nvSpPr>
+        <p:spPr/>
+      </p:sp>
+      <p:sp>
+        <p:nvSpPr>
+          <p:cNvPr id="3" name="ノート プレースホルダー 2"/>
+          <p:cNvSpPr>
+            <a:spLocks noGrp="1"/>
+          </p:cNvSpPr>
+          <p:nvPr>
+            <p:ph type="body" idx="1"/>
+          </p:nvPr>
+        </p:nvSpPr>
+        <p:spPr/>
+        <p:txBody>
+          <a:bodyPr/>
+          <a:lstStyle/>
+          <a:p>
+            <a:r>
+              <a:rPr kumimoji="1" lang="ja-JP" altLang="en-US" dirty="0"/>
+              <a:t>まずはじめに</a:t>
+            </a:r>
+          </a:p>
+        </p:txBody>
+      </p:sp>
+      <p:sp>
+        <p:nvSpPr>
+          <p:cNvPr id="4" name="スライド番号プレースホルダー 3"/>
+          <p:cNvSpPr>
+            <a:spLocks noGrp="1"/>
+          </p:cNvSpPr>
+          <p:nvPr>
+            <p:ph type="sldNum" sz="quarter" idx="5"/>
+          </p:nvPr>
+        </p:nvSpPr>
+        <p:spPr/>
+        <p:txBody>
+          <a:bodyPr/>
+          <a:lstStyle/>
+          <a:p>
+            <a:fld id="{8BD34F41-1BCD-4D2A-B453-F0A827524A65}" type="slidenum">
+              <a:rPr kumimoji="1" lang="ja-JP" altLang="en-US" smtClean="0"/>
+              <a:t>3</a:t>
+            </a:fld>
+            <a:endParaRPr kumimoji="1" lang="ja-JP" altLang="en-US"/>
+          </a:p>
+        </p:txBody>
+      </p:sp>
+    </p:spTree>
+    <p:extLst>
+      <p:ext uri="{BB962C8B-B14F-4D97-AF65-F5344CB8AC3E}">
+        <p14:creationId xmlns:p14="http://schemas.microsoft.com/office/powerpoint/2010/main" val="4094166019"/>
+      </p:ext>
+    </p:extLst>
+  </p:cSld>
+  <p:clrMapOvr>
+    <a:masterClrMapping/>
+  </p:clrMapOvr>
+</p:notes>
+</file>
+
+<file path=ppt/notesSlides/notesSlide4.xml><?xml version="1.0" encoding="utf-8"?>
+<p:notes xmlns:a="http://schemas.openxmlformats.org/drawingml/2006/main" xmlns:r="http://schemas.openxmlformats.org/officeDocument/2006/relationships" xmlns:p="http://schemas.openxmlformats.org/presentationml/2006/main">
+  <p:cSld>
+    <p:spTree>
+      <p:nvGrpSpPr>
+        <p:cNvPr id="1" name=""/>
+        <p:cNvGrpSpPr/>
+        <p:nvPr/>
+      </p:nvGrpSpPr>
+      <p:grpSpPr>
+        <a:xfrm>
+          <a:off x="0" y="0"/>
+          <a:ext cx="0" cy="0"/>
+          <a:chOff x="0" y="0"/>
+          <a:chExt cx="0" cy="0"/>
+        </a:xfrm>
+      </p:grpSpPr>
+      <p:sp>
+        <p:nvSpPr>
+          <p:cNvPr id="2" name="スライド イメージ プレースホルダー 1"/>
+          <p:cNvSpPr>
+            <a:spLocks noGrp="1" noRot="1" noChangeAspect="1"/>
+          </p:cNvSpPr>
+          <p:nvPr>
+            <p:ph type="sldImg"/>
+          </p:nvPr>
+        </p:nvSpPr>
+        <p:spPr/>
+      </p:sp>
+      <p:sp>
+        <p:nvSpPr>
+          <p:cNvPr id="3" name="ノート プレースホルダー 2"/>
+          <p:cNvSpPr>
+            <a:spLocks noGrp="1"/>
+          </p:cNvSpPr>
+          <p:nvPr>
+            <p:ph type="body" idx="1"/>
+          </p:nvPr>
+        </p:nvSpPr>
+        <p:spPr/>
+        <p:txBody>
+          <a:bodyPr/>
+          <a:lstStyle/>
+          <a:p>
+            <a:r>
+              <a:rPr kumimoji="1" lang="ja-JP" altLang="en-US" dirty="0"/>
+              <a:t>近年人工知能分野の発展にともない、（スライド）</a:t>
+            </a:r>
+          </a:p>
+        </p:txBody>
+      </p:sp>
+      <p:sp>
+        <p:nvSpPr>
+          <p:cNvPr id="4" name="スライド番号プレースホルダー 3"/>
+          <p:cNvSpPr>
+            <a:spLocks noGrp="1"/>
+          </p:cNvSpPr>
+          <p:nvPr>
+            <p:ph type="sldNum" sz="quarter" idx="5"/>
+          </p:nvPr>
+        </p:nvSpPr>
+        <p:spPr/>
+        <p:txBody>
+          <a:bodyPr/>
+          <a:lstStyle/>
+          <a:p>
+            <a:fld id="{8BD34F41-1BCD-4D2A-B453-F0A827524A65}" type="slidenum">
+              <a:rPr kumimoji="1" lang="ja-JP" altLang="en-US" smtClean="0"/>
+              <a:t>4</a:t>
+            </a:fld>
+            <a:endParaRPr kumimoji="1" lang="ja-JP" altLang="en-US"/>
+          </a:p>
+        </p:txBody>
+      </p:sp>
+    </p:spTree>
+    <p:extLst>
+      <p:ext uri="{BB962C8B-B14F-4D97-AF65-F5344CB8AC3E}">
+        <p14:creationId xmlns:p14="http://schemas.microsoft.com/office/powerpoint/2010/main" val="2916809625"/>
+      </p:ext>
+    </p:extLst>
+  </p:cSld>
+  <p:clrMapOvr>
+    <a:masterClrMapping/>
+  </p:clrMapOvr>
+</p:notes>
+</file>
+
+<file path=ppt/notesSlides/notesSlide5.xml><?xml version="1.0" encoding="utf-8"?>
+<p:notes xmlns:a="http://schemas.openxmlformats.org/drawingml/2006/main" xmlns:r="http://schemas.openxmlformats.org/officeDocument/2006/relationships" xmlns:p="http://schemas.openxmlformats.org/presentationml/2006/main">
+  <p:cSld>
+    <p:spTree>
+      <p:nvGrpSpPr>
+        <p:cNvPr id="1" name=""/>
+        <p:cNvGrpSpPr/>
+        <p:nvPr/>
+      </p:nvGrpSpPr>
+      <p:grpSpPr>
+        <a:xfrm>
+          <a:off x="0" y="0"/>
+          <a:ext cx="0" cy="0"/>
+          <a:chOff x="0" y="0"/>
+          <a:chExt cx="0" cy="0"/>
+        </a:xfrm>
+      </p:grpSpPr>
+      <p:sp>
+        <p:nvSpPr>
+          <p:cNvPr id="2" name="スライド イメージ プレースホルダー 1"/>
+          <p:cNvSpPr>
+            <a:spLocks noGrp="1" noRot="1" noChangeAspect="1"/>
+          </p:cNvSpPr>
+          <p:nvPr>
+            <p:ph type="sldImg"/>
+          </p:nvPr>
+        </p:nvSpPr>
+        <p:spPr/>
+      </p:sp>
+      <p:sp>
+        <p:nvSpPr>
+          <p:cNvPr id="3" name="ノート プレースホルダー 2"/>
+          <p:cNvSpPr>
+            <a:spLocks noGrp="1"/>
+          </p:cNvSpPr>
+          <p:nvPr>
+            <p:ph type="body" idx="1"/>
+          </p:nvPr>
+        </p:nvSpPr>
+        <p:spPr/>
+        <p:txBody>
+          <a:bodyPr/>
+          <a:lstStyle/>
+          <a:p>
+            <a:r>
+              <a:rPr kumimoji="1" lang="ja-JP" altLang="en-US" dirty="0"/>
+              <a:t>深層強化学習は実世界の問題だけでなく</a:t>
+            </a:r>
+            <a:r>
+              <a:rPr kumimoji="1" lang="en-US" altLang="ja-JP" dirty="0"/>
+              <a:t>,</a:t>
+            </a:r>
+            <a:r>
+              <a:rPr kumimoji="1" lang="ja-JP" altLang="en-US" dirty="0"/>
+              <a:t>ゲームにも盛んに応用されています</a:t>
+            </a:r>
+            <a:r>
+              <a:rPr kumimoji="1" lang="en-US" altLang="ja-JP" dirty="0"/>
+              <a:t>.</a:t>
+            </a:r>
+          </a:p>
+          <a:p>
+            <a:r>
+              <a:rPr kumimoji="1" lang="ja-JP" altLang="en-US" dirty="0"/>
+              <a:t>完全情報ゲーム・・・</a:t>
+            </a:r>
+            <a:r>
+              <a:rPr lang="ja-JP" altLang="en-US" b="0" i="0" dirty="0">
+                <a:solidFill>
+                  <a:srgbClr val="202122"/>
+                </a:solidFill>
+                <a:effectLst/>
+                <a:latin typeface="Arial" panose="020B0604020202020204" pitchFamily="34" charset="0"/>
+              </a:rPr>
+              <a:t>すべての意思決定点において、これまでにとられた行動や実現した状態に関する情報がすべて与えられているようなゲーム</a:t>
+            </a:r>
+            <a:endParaRPr lang="en-US" altLang="ja-JP" b="0" i="0" dirty="0">
+              <a:solidFill>
+                <a:srgbClr val="202122"/>
+              </a:solidFill>
+              <a:effectLst/>
+              <a:latin typeface="Arial" panose="020B0604020202020204" pitchFamily="34" charset="0"/>
+            </a:endParaRPr>
+          </a:p>
+          <a:p>
+            <a:endParaRPr kumimoji="1" lang="ja-JP" altLang="en-US" dirty="0"/>
+          </a:p>
+        </p:txBody>
+      </p:sp>
+      <p:sp>
+        <p:nvSpPr>
+          <p:cNvPr id="4" name="スライド番号プレースホルダー 3"/>
+          <p:cNvSpPr>
+            <a:spLocks noGrp="1"/>
+          </p:cNvSpPr>
+          <p:nvPr>
+            <p:ph type="sldNum" sz="quarter" idx="5"/>
+          </p:nvPr>
+        </p:nvSpPr>
+        <p:spPr/>
+        <p:txBody>
+          <a:bodyPr/>
+          <a:lstStyle/>
+          <a:p>
+            <a:fld id="{8BD34F41-1BCD-4D2A-B453-F0A827524A65}" type="slidenum">
+              <a:rPr kumimoji="1" lang="ja-JP" altLang="en-US" smtClean="0"/>
+              <a:t>5</a:t>
+            </a:fld>
+            <a:endParaRPr kumimoji="1" lang="ja-JP" altLang="en-US"/>
+          </a:p>
+        </p:txBody>
+      </p:sp>
+    </p:spTree>
+    <p:extLst>
+      <p:ext uri="{BB962C8B-B14F-4D97-AF65-F5344CB8AC3E}">
+        <p14:creationId xmlns:p14="http://schemas.microsoft.com/office/powerpoint/2010/main" val="955685599"/>
+      </p:ext>
+    </p:extLst>
+  </p:cSld>
+  <p:clrMapOvr>
+    <a:masterClrMapping/>
+  </p:clrMapOvr>
+</p:notes>
+</file>
+
+<file path=ppt/notesSlides/notesSlide6.xml><?xml version="1.0" encoding="utf-8"?>
+<p:notes xmlns:a="http://schemas.openxmlformats.org/drawingml/2006/main" xmlns:r="http://schemas.openxmlformats.org/officeDocument/2006/relationships" xmlns:p="http://schemas.openxmlformats.org/presentationml/2006/main">
+  <p:cSld>
+    <p:spTree>
+      <p:nvGrpSpPr>
+        <p:cNvPr id="1" name=""/>
+        <p:cNvGrpSpPr/>
+        <p:nvPr/>
+      </p:nvGrpSpPr>
+      <p:grpSpPr>
+        <a:xfrm>
+          <a:off x="0" y="0"/>
+          <a:ext cx="0" cy="0"/>
+          <a:chOff x="0" y="0"/>
+          <a:chExt cx="0" cy="0"/>
+        </a:xfrm>
+      </p:grpSpPr>
+      <p:sp>
+        <p:nvSpPr>
+          <p:cNvPr id="2" name="スライド イメージ プレースホルダー 1"/>
+          <p:cNvSpPr>
+            <a:spLocks noGrp="1" noRot="1" noChangeAspect="1"/>
+          </p:cNvSpPr>
+          <p:nvPr>
+            <p:ph type="sldImg"/>
+          </p:nvPr>
+        </p:nvSpPr>
+        <p:spPr/>
+      </p:sp>
+      <p:sp>
+        <p:nvSpPr>
+          <p:cNvPr id="3" name="ノート プレースホルダー 2"/>
+          <p:cNvSpPr>
+            <a:spLocks noGrp="1"/>
+          </p:cNvSpPr>
+          <p:nvPr>
+            <p:ph type="body" idx="1"/>
+          </p:nvPr>
+        </p:nvSpPr>
+        <p:spPr/>
+        <p:txBody>
+          <a:bodyPr/>
+          <a:lstStyle/>
+          <a:p>
+            <a:endParaRPr kumimoji="1" lang="ja-JP" altLang="en-US" dirty="0"/>
+          </a:p>
+        </p:txBody>
+      </p:sp>
+      <p:sp>
+        <p:nvSpPr>
+          <p:cNvPr id="4" name="スライド番号プレースホルダー 3"/>
+          <p:cNvSpPr>
+            <a:spLocks noGrp="1"/>
+          </p:cNvSpPr>
+          <p:nvPr>
+            <p:ph type="sldNum" sz="quarter" idx="5"/>
+          </p:nvPr>
+        </p:nvSpPr>
+        <p:spPr/>
+        <p:txBody>
+          <a:bodyPr/>
+          <a:lstStyle/>
+          <a:p>
+            <a:fld id="{8BD34F41-1BCD-4D2A-B453-F0A827524A65}" type="slidenum">
+              <a:rPr kumimoji="1" lang="ja-JP" altLang="en-US" smtClean="0"/>
+              <a:t>6</a:t>
+            </a:fld>
+            <a:endParaRPr kumimoji="1" lang="ja-JP" altLang="en-US"/>
+          </a:p>
+        </p:txBody>
+      </p:sp>
+    </p:spTree>
+    <p:extLst>
+      <p:ext uri="{BB962C8B-B14F-4D97-AF65-F5344CB8AC3E}">
+        <p14:creationId xmlns:p14="http://schemas.microsoft.com/office/powerpoint/2010/main" val="4061575087"/>
+      </p:ext>
+    </p:extLst>
+  </p:cSld>
+  <p:clrMapOvr>
+    <a:masterClrMapping/>
+  </p:clrMapOvr>
+</p:notes>
+</file>
+
+<file path=ppt/notesSlides/notesSlide7.xml><?xml version="1.0" encoding="utf-8"?>
+<p:notes xmlns:a="http://schemas.openxmlformats.org/drawingml/2006/main" xmlns:r="http://schemas.openxmlformats.org/officeDocument/2006/relationships" xmlns:p="http://schemas.openxmlformats.org/presentationml/2006/main">
+  <p:cSld>
+    <p:spTree>
+      <p:nvGrpSpPr>
+        <p:cNvPr id="1" name=""/>
+        <p:cNvGrpSpPr/>
+        <p:nvPr/>
+      </p:nvGrpSpPr>
+      <p:grpSpPr>
+        <a:xfrm>
+          <a:off x="0" y="0"/>
+          <a:ext cx="0" cy="0"/>
+          <a:chOff x="0" y="0"/>
+          <a:chExt cx="0" cy="0"/>
+        </a:xfrm>
+      </p:grpSpPr>
+      <p:sp>
+        <p:nvSpPr>
+          <p:cNvPr id="2" name="スライド イメージ プレースホルダー 1"/>
+          <p:cNvSpPr>
+            <a:spLocks noGrp="1" noRot="1" noChangeAspect="1"/>
+          </p:cNvSpPr>
+          <p:nvPr>
+            <p:ph type="sldImg"/>
+          </p:nvPr>
+        </p:nvSpPr>
+        <p:spPr/>
+      </p:sp>
+      <p:sp>
+        <p:nvSpPr>
+          <p:cNvPr id="3" name="ノート プレースホルダー 2"/>
+          <p:cNvSpPr>
+            <a:spLocks noGrp="1"/>
+          </p:cNvSpPr>
+          <p:nvPr>
+            <p:ph type="body" idx="1"/>
+          </p:nvPr>
+        </p:nvSpPr>
+        <p:spPr/>
+        <p:txBody>
+          <a:bodyPr/>
+          <a:lstStyle/>
+          <a:p>
+            <a:r>
+              <a:rPr kumimoji="1" lang="ja-JP" altLang="en-US" dirty="0"/>
+              <a:t>強化学習では未来にわたって得られる報酬の総和を見積もった価値の最大化を目指して学習を行う方法があり</a:t>
+            </a:r>
+            <a:r>
+              <a:rPr kumimoji="1" lang="en-US" altLang="ja-JP" dirty="0"/>
+              <a:t>,</a:t>
+            </a:r>
+            <a:r>
+              <a:rPr kumimoji="1" lang="ja-JP" altLang="en-US" dirty="0"/>
+              <a:t>価値ベースと呼ばれます</a:t>
+            </a:r>
+            <a:r>
+              <a:rPr kumimoji="1" lang="en-US" altLang="ja-JP" dirty="0"/>
+              <a:t>.</a:t>
+            </a:r>
+            <a:br>
+              <a:rPr kumimoji="1" lang="en-US" altLang="ja-JP" dirty="0"/>
+            </a:br>
+            <a:r>
+              <a:rPr kumimoji="1" lang="ja-JP" altLang="en-US" dirty="0"/>
+              <a:t>ある状態</a:t>
+            </a:r>
+            <a:r>
+              <a:rPr kumimoji="1" lang="en-US" altLang="ja-JP" dirty="0"/>
+              <a:t>s</a:t>
+            </a:r>
+            <a:r>
+              <a:rPr kumimoji="1" lang="ja-JP" altLang="en-US" dirty="0"/>
+              <a:t>で行動</a:t>
+            </a:r>
+            <a:r>
+              <a:rPr kumimoji="1" lang="en-US" altLang="ja-JP" dirty="0"/>
+              <a:t>a</a:t>
+            </a:r>
+            <a:r>
+              <a:rPr kumimoji="1" lang="ja-JP" altLang="en-US" dirty="0"/>
+              <a:t>をとった時の価値を</a:t>
+            </a:r>
+            <a:r>
+              <a:rPr kumimoji="1" lang="en-US" altLang="ja-JP" dirty="0"/>
+              <a:t>Q</a:t>
+            </a:r>
+            <a:r>
+              <a:rPr kumimoji="1" lang="ja-JP" altLang="en-US" dirty="0"/>
+              <a:t>値と呼び</a:t>
+            </a:r>
+            <a:r>
+              <a:rPr kumimoji="1" lang="en-US" altLang="ja-JP" dirty="0"/>
+              <a:t>,Q</a:t>
+            </a:r>
+            <a:r>
+              <a:rPr kumimoji="1" lang="ja-JP" altLang="en-US" dirty="0"/>
+              <a:t>学習ではこれを学習により更新していきます</a:t>
+            </a:r>
+            <a:r>
+              <a:rPr kumimoji="1" lang="en-US" altLang="ja-JP" dirty="0"/>
+              <a:t>.</a:t>
+            </a:r>
+          </a:p>
+          <a:p>
+            <a:r>
+              <a:rPr kumimoji="1" lang="ja-JP" altLang="en-US" dirty="0"/>
+              <a:t>以下の式で</a:t>
+            </a:r>
+            <a:r>
+              <a:rPr kumimoji="1" lang="en-US" altLang="ja-JP" dirty="0"/>
+              <a:t>TD</a:t>
+            </a:r>
+            <a:r>
+              <a:rPr kumimoji="1" lang="ja-JP" altLang="en-US" dirty="0"/>
+              <a:t>誤差が</a:t>
+            </a:r>
+            <a:r>
+              <a:rPr kumimoji="1" lang="en-US" altLang="ja-JP" dirty="0"/>
+              <a:t>0</a:t>
+            </a:r>
+            <a:r>
+              <a:rPr kumimoji="1" lang="ja-JP" altLang="en-US" dirty="0"/>
+              <a:t>となるように学習を行う</a:t>
+            </a:r>
+          </a:p>
+        </p:txBody>
+      </p:sp>
+      <p:sp>
+        <p:nvSpPr>
+          <p:cNvPr id="4" name="スライド番号プレースホルダー 3"/>
+          <p:cNvSpPr>
+            <a:spLocks noGrp="1"/>
+          </p:cNvSpPr>
+          <p:nvPr>
+            <p:ph type="sldNum" sz="quarter" idx="5"/>
+          </p:nvPr>
+        </p:nvSpPr>
+        <p:spPr/>
+        <p:txBody>
+          <a:bodyPr/>
+          <a:lstStyle/>
+          <a:p>
+            <a:fld id="{8BD34F41-1BCD-4D2A-B453-F0A827524A65}" type="slidenum">
+              <a:rPr kumimoji="1" lang="ja-JP" altLang="en-US" smtClean="0"/>
+              <a:t>9</a:t>
+            </a:fld>
+            <a:endParaRPr kumimoji="1" lang="ja-JP" altLang="en-US"/>
+          </a:p>
+        </p:txBody>
+      </p:sp>
+    </p:spTree>
+    <p:extLst>
+      <p:ext uri="{BB962C8B-B14F-4D97-AF65-F5344CB8AC3E}">
+        <p14:creationId xmlns:p14="http://schemas.microsoft.com/office/powerpoint/2010/main" val="3687115768"/>
+      </p:ext>
+    </p:extLst>
+  </p:cSld>
+  <p:clrMapOvr>
+    <a:masterClrMapping/>
+  </p:clrMapOvr>
+</p:notes>
+</file>
+
+<file path=ppt/notesSlides/notesSlide8.xml><?xml version="1.0" encoding="utf-8"?>
+<p:notes xmlns:a="http://schemas.openxmlformats.org/drawingml/2006/main" xmlns:r="http://schemas.openxmlformats.org/officeDocument/2006/relationships" xmlns:p="http://schemas.openxmlformats.org/presentationml/2006/main">
+  <p:cSld>
+    <p:spTree>
+      <p:nvGrpSpPr>
+        <p:cNvPr id="1" name=""/>
+        <p:cNvGrpSpPr/>
+        <p:nvPr/>
+      </p:nvGrpSpPr>
+      <p:grpSpPr>
+        <a:xfrm>
+          <a:off x="0" y="0"/>
+          <a:ext cx="0" cy="0"/>
+          <a:chOff x="0" y="0"/>
+          <a:chExt cx="0" cy="0"/>
+        </a:xfrm>
+      </p:grpSpPr>
+      <p:sp>
+        <p:nvSpPr>
+          <p:cNvPr id="2" name="スライド イメージ プレースホルダー 1"/>
+          <p:cNvSpPr>
+            <a:spLocks noGrp="1" noRot="1" noChangeAspect="1"/>
+          </p:cNvSpPr>
+          <p:nvPr>
+            <p:ph type="sldImg"/>
+          </p:nvPr>
+        </p:nvSpPr>
+        <p:spPr/>
+      </p:sp>
+      <p:sp>
+        <p:nvSpPr>
+          <p:cNvPr id="3" name="ノート プレースホルダー 2"/>
+          <p:cNvSpPr>
+            <a:spLocks noGrp="1"/>
+          </p:cNvSpPr>
+          <p:nvPr>
+            <p:ph type="body" idx="1"/>
+          </p:nvPr>
+        </p:nvSpPr>
+        <p:spPr/>
+        <p:txBody>
+          <a:bodyPr/>
+          <a:lstStyle/>
+          <a:p>
+            <a:r>
+              <a:rPr lang="en-US" altLang="ja-JP" sz="1200" dirty="0"/>
+              <a:t>Experience Replay </a:t>
+            </a:r>
+            <a:r>
+              <a:rPr lang="ja-JP" altLang="en-US" sz="1200" dirty="0"/>
+              <a:t>・・・　過去のデータの蓄積からランダムに選んだバッチデータで</a:t>
+            </a:r>
+            <a:r>
+              <a:rPr lang="en-US" altLang="ja-JP" sz="1200" dirty="0"/>
+              <a:t>Q</a:t>
+            </a:r>
+            <a:r>
+              <a:rPr lang="ja-JP" altLang="en-US" sz="1200" dirty="0"/>
+              <a:t>関数の更新を行う</a:t>
+            </a:r>
+            <a:endParaRPr lang="en-US" altLang="ja-JP" sz="1200" dirty="0"/>
+          </a:p>
+          <a:p>
+            <a:r>
+              <a:rPr kumimoji="1" lang="en-US" altLang="ja-JP" sz="1200" dirty="0"/>
+              <a:t>Target Network Q</a:t>
+            </a:r>
+            <a:r>
+              <a:rPr kumimoji="1" lang="ja-JP" altLang="en-US" sz="1200" dirty="0"/>
+              <a:t>値の更新の際に学習とは異なるネットワークで更新を行う　</a:t>
+            </a:r>
+            <a:r>
+              <a:rPr kumimoji="1" lang="en-US" altLang="ja-JP" sz="1200" dirty="0" err="1"/>
+              <a:t>maxQ</a:t>
+            </a:r>
+            <a:r>
+              <a:rPr kumimoji="1" lang="en-US" altLang="ja-JP" sz="1200" dirty="0"/>
+              <a:t>(</a:t>
+            </a:r>
+            <a:r>
+              <a:rPr kumimoji="1" lang="en-US" altLang="ja-JP" sz="1200" dirty="0" err="1"/>
+              <a:t>s,t</a:t>
+            </a:r>
+            <a:r>
+              <a:rPr kumimoji="1" lang="en-US" altLang="ja-JP" sz="1200" dirty="0"/>
+              <a:t>)</a:t>
+            </a:r>
+            <a:r>
+              <a:rPr kumimoji="1" lang="ja-JP" altLang="en-US" sz="1200" dirty="0"/>
+              <a:t>が極端に高い時</a:t>
+            </a:r>
+            <a:r>
+              <a:rPr kumimoji="1" lang="en-US" altLang="ja-JP" sz="1200" dirty="0"/>
+              <a:t>,</a:t>
+            </a:r>
+            <a:r>
+              <a:rPr kumimoji="1" lang="ja-JP" altLang="en-US" sz="1200" dirty="0"/>
+              <a:t>それに他も引っ張られるがそれを緩和</a:t>
+            </a:r>
+            <a:endParaRPr kumimoji="1" lang="ja-JP" altLang="en-US" dirty="0"/>
+          </a:p>
+        </p:txBody>
+      </p:sp>
+      <p:sp>
+        <p:nvSpPr>
+          <p:cNvPr id="4" name="スライド番号プレースホルダー 3"/>
+          <p:cNvSpPr>
+            <a:spLocks noGrp="1"/>
+          </p:cNvSpPr>
+          <p:nvPr>
+            <p:ph type="sldNum" sz="quarter" idx="5"/>
+          </p:nvPr>
+        </p:nvSpPr>
+        <p:spPr/>
+        <p:txBody>
+          <a:bodyPr/>
+          <a:lstStyle/>
+          <a:p>
+            <a:fld id="{8BD34F41-1BCD-4D2A-B453-F0A827524A65}" type="slidenum">
+              <a:rPr kumimoji="1" lang="ja-JP" altLang="en-US" smtClean="0"/>
+              <a:t>10</a:t>
+            </a:fld>
+            <a:endParaRPr kumimoji="1" lang="ja-JP" altLang="en-US"/>
+          </a:p>
+        </p:txBody>
+      </p:sp>
+    </p:spTree>
+    <p:extLst>
+      <p:ext uri="{BB962C8B-B14F-4D97-AF65-F5344CB8AC3E}">
+        <p14:creationId xmlns:p14="http://schemas.microsoft.com/office/powerpoint/2010/main" val="501717870"/>
+      </p:ext>
+    </p:extLst>
+  </p:cSld>
+  <p:clrMapOvr>
+    <a:masterClrMapping/>
+  </p:clrMapOvr>
+</p:notes>
+</file>
+
+<file path=ppt/notesSlides/notesSlide9.xml><?xml version="1.0" encoding="utf-8"?>
+<p:notes xmlns:a="http://schemas.openxmlformats.org/drawingml/2006/main" xmlns:r="http://schemas.openxmlformats.org/officeDocument/2006/relationships" xmlns:p="http://schemas.openxmlformats.org/presentationml/2006/main">
+  <p:cSld>
+    <p:spTree>
+      <p:nvGrpSpPr>
+        <p:cNvPr id="1" name=""/>
+        <p:cNvGrpSpPr/>
+        <p:nvPr/>
+      </p:nvGrpSpPr>
+      <p:grpSpPr>
+        <a:xfrm>
+          <a:off x="0" y="0"/>
+          <a:ext cx="0" cy="0"/>
+          <a:chOff x="0" y="0"/>
+          <a:chExt cx="0" cy="0"/>
+        </a:xfrm>
+      </p:grpSpPr>
+      <p:sp>
+        <p:nvSpPr>
+          <p:cNvPr id="2" name="スライド イメージ プレースホルダー 1"/>
+          <p:cNvSpPr>
+            <a:spLocks noGrp="1" noRot="1" noChangeAspect="1"/>
+          </p:cNvSpPr>
+          <p:nvPr>
+            <p:ph type="sldImg"/>
+          </p:nvPr>
+        </p:nvSpPr>
+        <p:spPr/>
+      </p:sp>
+      <p:sp>
+        <p:nvSpPr>
+          <p:cNvPr id="3" name="ノート プレースホルダー 2"/>
+          <p:cNvSpPr>
+            <a:spLocks noGrp="1"/>
+          </p:cNvSpPr>
+          <p:nvPr>
+            <p:ph type="body" idx="1"/>
+          </p:nvPr>
+        </p:nvSpPr>
+        <p:spPr/>
+        <p:txBody>
+          <a:bodyPr/>
+          <a:lstStyle/>
+          <a:p>
+            <a:r>
+              <a:rPr kumimoji="1" lang="en-US" altLang="ja-JP" dirty="0"/>
+              <a:t>Q</a:t>
+            </a:r>
+            <a:r>
+              <a:rPr kumimoji="1" lang="ja-JP" altLang="en-US" dirty="0"/>
+              <a:t>学習と異なる点</a:t>
+            </a:r>
+            <a:endParaRPr kumimoji="1" lang="en-US" altLang="ja-JP" dirty="0"/>
+          </a:p>
+          <a:p>
+            <a:r>
+              <a:rPr kumimoji="1" lang="en-US" altLang="ja-JP" dirty="0"/>
+              <a:t>1</a:t>
+            </a:r>
+            <a:r>
+              <a:rPr kumimoji="1" lang="ja-JP" altLang="en-US" dirty="0"/>
+              <a:t>エピソードまずやってみて、得られた割引現在価値</a:t>
+            </a:r>
+            <a:r>
+              <a:rPr kumimoji="1" lang="en-US" altLang="ja-JP" dirty="0"/>
+              <a:t>G</a:t>
+            </a:r>
+            <a:r>
+              <a:rPr kumimoji="1" lang="ja-JP" altLang="en-US" dirty="0"/>
+              <a:t>から</a:t>
+            </a:r>
+            <a:r>
+              <a:rPr kumimoji="1" lang="en-US" altLang="ja-JP" dirty="0"/>
+              <a:t>Q</a:t>
+            </a:r>
+            <a:r>
+              <a:rPr kumimoji="1" lang="ja-JP" altLang="en-US" dirty="0"/>
+              <a:t>値を更新していく</a:t>
+            </a:r>
+          </a:p>
+        </p:txBody>
+      </p:sp>
+      <p:sp>
+        <p:nvSpPr>
+          <p:cNvPr id="4" name="スライド番号プレースホルダー 3"/>
+          <p:cNvSpPr>
+            <a:spLocks noGrp="1"/>
+          </p:cNvSpPr>
+          <p:nvPr>
+            <p:ph type="sldNum" sz="quarter" idx="5"/>
+          </p:nvPr>
+        </p:nvSpPr>
+        <p:spPr/>
+        <p:txBody>
+          <a:bodyPr/>
+          <a:lstStyle/>
+          <a:p>
+            <a:fld id="{8BD34F41-1BCD-4D2A-B453-F0A827524A65}" type="slidenum">
+              <a:rPr kumimoji="1" lang="ja-JP" altLang="en-US" smtClean="0"/>
+              <a:t>11</a:t>
+            </a:fld>
+            <a:endParaRPr kumimoji="1" lang="ja-JP" altLang="en-US"/>
+          </a:p>
+        </p:txBody>
+      </p:sp>
+    </p:spTree>
+    <p:extLst>
+      <p:ext uri="{BB962C8B-B14F-4D97-AF65-F5344CB8AC3E}">
+        <p14:creationId xmlns:p14="http://schemas.microsoft.com/office/powerpoint/2010/main" val="4127173288"/>
+      </p:ext>
+    </p:extLst>
+  </p:cSld>
+  <p:clrMapOvr>
+    <a:masterClrMapping/>
+  </p:clrMapOvr>
+</p:notes>
 </file>
 
 <file path=ppt/slideLayouts/slideLayout1.xml><?xml version="1.0" encoding="utf-8"?>
@@ -4477,7 +5476,15 @@
             </a:r>
             <a:r>
               <a:rPr lang="ja-JP" altLang="en-US" sz="3200" dirty="0"/>
-              <a:t>学習では状態と行動の次元が増えると現実的に計算ができなくなる</a:t>
+              <a:t>学習で</a:t>
+            </a:r>
+            <a:r>
+              <a:rPr lang="ja-JP" altLang="en-US" sz="3200"/>
+              <a:t>は状態や行動の次元数が</a:t>
+            </a:r>
+            <a:r>
+              <a:rPr lang="ja-JP" altLang="en-US" sz="3200" dirty="0"/>
+              <a:t>増えると現実的に計算ができなくなる</a:t>
             </a:r>
             <a:endParaRPr lang="en-US" altLang="ja-JP" sz="3200" dirty="0"/>
           </a:p>
@@ -5384,7 +6391,7 @@
             </p:nvSpPr>
             <p:spPr>
               <a:blipFill>
-                <a:blip r:embed="rId2"/>
+                <a:blip r:embed="rId3"/>
                 <a:stretch>
                   <a:fillRect l="-1333" t="-2801"/>
                 </a:stretch>
@@ -5877,7 +6884,7 @@
           <p:nvPr/>
         </p:nvPicPr>
         <p:blipFill>
-          <a:blip r:embed="rId2">
+          <a:blip r:embed="rId3">
             <a:extLst>
               <a:ext uri="{28A0092B-C50C-407E-A947-70E740481C1C}">
                 <a14:useLocalDpi xmlns:a14="http://schemas.microsoft.com/office/drawing/2010/main" val="0"/>
@@ -6131,7 +7138,7 @@
           <p:nvPr/>
         </p:nvPicPr>
         <p:blipFill>
-          <a:blip r:embed="rId2">
+          <a:blip r:embed="rId3">
             <a:extLst>
               <a:ext uri="{28A0092B-C50C-407E-A947-70E740481C1C}">
                 <a14:useLocalDpi xmlns:a14="http://schemas.microsoft.com/office/drawing/2010/main" val="0"/>
@@ -6575,7 +7582,7 @@
         <p:spPr/>
         <p:txBody>
           <a:bodyPr>
-            <a:normAutofit fontScale="77500" lnSpcReduction="20000"/>
+            <a:normAutofit fontScale="85000" lnSpcReduction="20000"/>
           </a:bodyPr>
           <a:lstStyle/>
           <a:p>
@@ -6629,33 +7636,7 @@
           <a:p>
             <a:r>
               <a:rPr kumimoji="1" lang="ja-JP" altLang="en-US" sz="3000" dirty="0"/>
-              <a:t>状態空間</a:t>
-            </a:r>
-            <a:r>
-              <a:rPr kumimoji="1" lang="en-US" altLang="ja-JP" sz="3000" dirty="0"/>
-              <a:t>,</a:t>
-            </a:r>
-            <a:r>
-              <a:rPr kumimoji="1" lang="ja-JP" altLang="en-US" sz="3000" dirty="0"/>
-              <a:t>行動空間</a:t>
-            </a:r>
-            <a:r>
-              <a:rPr kumimoji="1" lang="en-US" altLang="ja-JP" sz="3000" dirty="0"/>
-              <a:t>,</a:t>
-            </a:r>
-            <a:r>
-              <a:rPr kumimoji="1" lang="ja-JP" altLang="en-US" sz="3000" dirty="0"/>
-              <a:t>報酬などを定義することで</a:t>
-            </a:r>
-            <a:endParaRPr kumimoji="1" lang="en-US" altLang="ja-JP" sz="3000" dirty="0"/>
-          </a:p>
-          <a:p>
-            <a:pPr marL="0" indent="0">
-              <a:buNone/>
-            </a:pPr>
-            <a:r>
-              <a:rPr kumimoji="1" lang="ja-JP" altLang="en-US" sz="3000" dirty="0"/>
-              <a:t>   自作の学習環境を</a:t>
+              <a:t>自作の学習環境を</a:t>
             </a:r>
             <a:r>
               <a:rPr kumimoji="1" lang="en-US" altLang="ja-JP" dirty="0"/>
@@ -7475,7 +8456,7 @@
             </p:nvSpPr>
             <p:spPr>
               <a:blipFill>
-                <a:blip r:embed="rId2"/>
+                <a:blip r:embed="rId3"/>
                 <a:stretch>
                   <a:fillRect l="-1333" t="-2801"/>
                 </a:stretch>
